--- a/hinges_knobs.pptx
+++ b/hinges_knobs.pptx
@@ -5,7 +5,7 @@
     <p:sldMasterId id="2147483648" r:id="rId1"/>
   </p:sldMasterIdLst>
   <p:notesMasterIdLst>
-    <p:notesMasterId r:id="rId7"/>
+    <p:notesMasterId r:id="rId8"/>
   </p:notesMasterIdLst>
   <p:sldIdLst>
     <p:sldId id="261" r:id="rId2"/>
@@ -13,6 +13,7 @@
     <p:sldId id="263" r:id="rId4"/>
     <p:sldId id="264" r:id="rId5"/>
     <p:sldId id="265" r:id="rId6"/>
+    <p:sldId id="266" r:id="rId7"/>
   </p:sldIdLst>
   <p:sldSz cx="12192000" cy="6858000"/>
   <p:notesSz cx="6858000" cy="9144000"/>
@@ -201,7 +202,7 @@
           <a:p>
             <a:fld id="{D2843BDE-B8C0-934E-9704-CBA3B88C1FB8}" type="datetimeFigureOut">
               <a:rPr lang="en-US" smtClean="0"/>
-              <a:t>6/22/24</a:t>
+              <a:t>1/17/25</a:t>
             </a:fld>
             <a:endParaRPr lang="en-US"/>
           </a:p>
@@ -744,6 +745,114 @@
 </p:notes>
 </file>
 
+<file path=ppt/notesSlides/notesSlide4.xml><?xml version="1.0" encoding="utf-8"?>
+<p:notes xmlns:a="http://schemas.openxmlformats.org/drawingml/2006/main" xmlns:r="http://schemas.openxmlformats.org/officeDocument/2006/relationships" xmlns:p="http://schemas.openxmlformats.org/presentationml/2006/main">
+  <p:cSld>
+    <p:spTree>
+      <p:nvGrpSpPr>
+        <p:cNvPr id="1" name="">
+          <a:extLst>
+            <a:ext uri="{FF2B5EF4-FFF2-40B4-BE49-F238E27FC236}">
+              <a16:creationId xmlns:a16="http://schemas.microsoft.com/office/drawing/2014/main" id="{0998BDCA-0223-6AAE-651D-8F6349CFCF75}"/>
+            </a:ext>
+          </a:extLst>
+        </p:cNvPr>
+        <p:cNvGrpSpPr/>
+        <p:nvPr/>
+      </p:nvGrpSpPr>
+      <p:grpSpPr>
+        <a:xfrm>
+          <a:off x="0" y="0"/>
+          <a:ext cx="0" cy="0"/>
+          <a:chOff x="0" y="0"/>
+          <a:chExt cx="0" cy="0"/>
+        </a:xfrm>
+      </p:grpSpPr>
+      <p:sp>
+        <p:nvSpPr>
+          <p:cNvPr id="2" name="Slide Image Placeholder 1">
+            <a:extLst>
+              <a:ext uri="{FF2B5EF4-FFF2-40B4-BE49-F238E27FC236}">
+                <a16:creationId xmlns:a16="http://schemas.microsoft.com/office/drawing/2014/main" id="{B9021230-63D7-BBAC-C510-6D8DD846478D}"/>
+              </a:ext>
+            </a:extLst>
+          </p:cNvPr>
+          <p:cNvSpPr>
+            <a:spLocks noGrp="1" noRot="1" noChangeAspect="1"/>
+          </p:cNvSpPr>
+          <p:nvPr>
+            <p:ph type="sldImg"/>
+          </p:nvPr>
+        </p:nvSpPr>
+        <p:spPr/>
+      </p:sp>
+      <p:sp>
+        <p:nvSpPr>
+          <p:cNvPr id="3" name="Notes Placeholder 2">
+            <a:extLst>
+              <a:ext uri="{FF2B5EF4-FFF2-40B4-BE49-F238E27FC236}">
+                <a16:creationId xmlns:a16="http://schemas.microsoft.com/office/drawing/2014/main" id="{72AE9744-9690-E35C-DDA7-26823F01176D}"/>
+              </a:ext>
+            </a:extLst>
+          </p:cNvPr>
+          <p:cNvSpPr>
+            <a:spLocks noGrp="1"/>
+          </p:cNvSpPr>
+          <p:nvPr>
+            <p:ph type="body" idx="1"/>
+          </p:nvPr>
+        </p:nvSpPr>
+        <p:spPr/>
+        <p:txBody>
+          <a:bodyPr/>
+          <a:lstStyle/>
+          <a:p>
+            <a:endParaRPr lang="en-US" dirty="0"/>
+          </a:p>
+        </p:txBody>
+      </p:sp>
+      <p:sp>
+        <p:nvSpPr>
+          <p:cNvPr id="4" name="Slide Number Placeholder 3">
+            <a:extLst>
+              <a:ext uri="{FF2B5EF4-FFF2-40B4-BE49-F238E27FC236}">
+                <a16:creationId xmlns:a16="http://schemas.microsoft.com/office/drawing/2014/main" id="{BF5B2007-43B3-D2D8-21F8-B405CD80AFF9}"/>
+              </a:ext>
+            </a:extLst>
+          </p:cNvPr>
+          <p:cNvSpPr>
+            <a:spLocks noGrp="1"/>
+          </p:cNvSpPr>
+          <p:nvPr>
+            <p:ph type="sldNum" sz="quarter" idx="5"/>
+          </p:nvPr>
+        </p:nvSpPr>
+        <p:spPr/>
+        <p:txBody>
+          <a:bodyPr/>
+          <a:lstStyle/>
+          <a:p>
+            <a:fld id="{BA8B91EE-EA77-074C-ABDE-BAE6359B4E98}" type="slidenum">
+              <a:rPr lang="en-US" smtClean="0"/>
+              <a:t>6</a:t>
+            </a:fld>
+            <a:endParaRPr lang="en-US"/>
+          </a:p>
+        </p:txBody>
+      </p:sp>
+    </p:spTree>
+    <p:extLst>
+      <p:ext uri="{BB962C8B-B14F-4D97-AF65-F5344CB8AC3E}">
+        <p14:creationId xmlns:p14="http://schemas.microsoft.com/office/powerpoint/2010/main" val="1251931403"/>
+      </p:ext>
+    </p:extLst>
+  </p:cSld>
+  <p:clrMapOvr>
+    <a:masterClrMapping/>
+  </p:clrMapOvr>
+</p:notes>
+</file>
+
 <file path=ppt/slideLayouts/slideLayout1.xml><?xml version="1.0" encoding="utf-8"?>
 <p:sldLayout xmlns:a="http://schemas.openxmlformats.org/drawingml/2006/main" xmlns:r="http://schemas.openxmlformats.org/officeDocument/2006/relationships" xmlns:p="http://schemas.openxmlformats.org/presentationml/2006/main" type="title" preserve="1">
   <p:cSld name="Title Slide">
@@ -890,7 +999,7 @@
           <a:lstStyle/>
           <a:p>
             <a:fld id="{5F491023-0B0A-7041-9F06-D25A50EF063B}" type="datetimeFigureOut">
-              <a:t>6/22/24</a:t>
+              <a:t>1/17/25</a:t>
             </a:fld>
             <a:endParaRPr lang="en-US"/>
           </a:p>
@@ -1086,7 +1195,7 @@
           <a:lstStyle/>
           <a:p>
             <a:fld id="{5F491023-0B0A-7041-9F06-D25A50EF063B}" type="datetimeFigureOut">
-              <a:t>6/22/24</a:t>
+              <a:t>1/17/25</a:t>
             </a:fld>
             <a:endParaRPr lang="en-US"/>
           </a:p>
@@ -1292,7 +1401,7 @@
           <a:lstStyle/>
           <a:p>
             <a:fld id="{5F491023-0B0A-7041-9F06-D25A50EF063B}" type="datetimeFigureOut">
-              <a:t>6/22/24</a:t>
+              <a:t>1/17/25</a:t>
             </a:fld>
             <a:endParaRPr lang="en-US"/>
           </a:p>
@@ -1488,7 +1597,7 @@
           <a:lstStyle/>
           <a:p>
             <a:fld id="{5F491023-0B0A-7041-9F06-D25A50EF063B}" type="datetimeFigureOut">
-              <a:t>6/22/24</a:t>
+              <a:t>1/17/25</a:t>
             </a:fld>
             <a:endParaRPr lang="en-US"/>
           </a:p>
@@ -1761,7 +1870,7 @@
           <a:lstStyle/>
           <a:p>
             <a:fld id="{5F491023-0B0A-7041-9F06-D25A50EF063B}" type="datetimeFigureOut">
-              <a:t>6/22/24</a:t>
+              <a:t>1/17/25</a:t>
             </a:fld>
             <a:endParaRPr lang="en-US"/>
           </a:p>
@@ -2024,7 +2133,7 @@
           <a:lstStyle/>
           <a:p>
             <a:fld id="{5F491023-0B0A-7041-9F06-D25A50EF063B}" type="datetimeFigureOut">
-              <a:t>6/22/24</a:t>
+              <a:t>1/17/25</a:t>
             </a:fld>
             <a:endParaRPr lang="en-US"/>
           </a:p>
@@ -2434,7 +2543,7 @@
           <a:lstStyle/>
           <a:p>
             <a:fld id="{5F491023-0B0A-7041-9F06-D25A50EF063B}" type="datetimeFigureOut">
-              <a:t>6/22/24</a:t>
+              <a:t>1/17/25</a:t>
             </a:fld>
             <a:endParaRPr lang="en-US"/>
           </a:p>
@@ -2573,7 +2682,7 @@
           <a:lstStyle/>
           <a:p>
             <a:fld id="{5F491023-0B0A-7041-9F06-D25A50EF063B}" type="datetimeFigureOut">
-              <a:t>6/22/24</a:t>
+              <a:t>1/17/25</a:t>
             </a:fld>
             <a:endParaRPr lang="en-US"/>
           </a:p>
@@ -2684,7 +2793,7 @@
           <a:lstStyle/>
           <a:p>
             <a:fld id="{5F491023-0B0A-7041-9F06-D25A50EF063B}" type="datetimeFigureOut">
-              <a:t>6/22/24</a:t>
+              <a:t>1/17/25</a:t>
             </a:fld>
             <a:endParaRPr lang="en-US"/>
           </a:p>
@@ -2993,7 +3102,7 @@
           <a:lstStyle/>
           <a:p>
             <a:fld id="{5F491023-0B0A-7041-9F06-D25A50EF063B}" type="datetimeFigureOut">
-              <a:t>6/22/24</a:t>
+              <a:t>1/17/25</a:t>
             </a:fld>
             <a:endParaRPr lang="en-US"/>
           </a:p>
@@ -3279,7 +3388,7 @@
           <a:lstStyle/>
           <a:p>
             <a:fld id="{5F491023-0B0A-7041-9F06-D25A50EF063B}" type="datetimeFigureOut">
-              <a:t>6/22/24</a:t>
+              <a:t>1/17/25</a:t>
             </a:fld>
             <a:endParaRPr lang="en-US"/>
           </a:p>
@@ -3518,7 +3627,7 @@
           </a:lstStyle>
           <a:p>
             <a:fld id="{5F491023-0B0A-7041-9F06-D25A50EF063B}" type="datetimeFigureOut">
-              <a:t>6/22/24</a:t>
+              <a:t>1/17/25</a:t>
             </a:fld>
             <a:endParaRPr lang="en-US"/>
           </a:p>
@@ -7342,6 +7451,455 @@
 </p:sld>
 </file>
 
+<file path=ppt/slides/slide6.xml><?xml version="1.0" encoding="utf-8"?>
+<p:sld xmlns:a="http://schemas.openxmlformats.org/drawingml/2006/main" xmlns:r="http://schemas.openxmlformats.org/officeDocument/2006/relationships" xmlns:p="http://schemas.openxmlformats.org/presentationml/2006/main">
+  <p:cSld>
+    <p:spTree>
+      <p:nvGrpSpPr>
+        <p:cNvPr id="1" name="">
+          <a:extLst>
+            <a:ext uri="{FF2B5EF4-FFF2-40B4-BE49-F238E27FC236}">
+              <a16:creationId xmlns:a16="http://schemas.microsoft.com/office/drawing/2014/main" id="{FCA0449B-AAFA-07DB-70B4-6158222336FD}"/>
+            </a:ext>
+          </a:extLst>
+        </p:cNvPr>
+        <p:cNvGrpSpPr/>
+        <p:nvPr/>
+      </p:nvGrpSpPr>
+      <p:grpSpPr>
+        <a:xfrm>
+          <a:off x="0" y="0"/>
+          <a:ext cx="0" cy="0"/>
+          <a:chOff x="0" y="0"/>
+          <a:chExt cx="0" cy="0"/>
+        </a:xfrm>
+      </p:grpSpPr>
+      <p:sp>
+        <p:nvSpPr>
+          <p:cNvPr id="2" name="TextBox 1">
+            <a:extLst>
+              <a:ext uri="{FF2B5EF4-FFF2-40B4-BE49-F238E27FC236}">
+                <a16:creationId xmlns:a16="http://schemas.microsoft.com/office/drawing/2014/main" id="{91430EF5-7808-8A28-440B-5FD117E7D174}"/>
+              </a:ext>
+            </a:extLst>
+          </p:cNvPr>
+          <p:cNvSpPr txBox="1"/>
+          <p:nvPr/>
+        </p:nvSpPr>
+        <p:spPr>
+          <a:xfrm>
+            <a:off x="-1" y="9719"/>
+            <a:ext cx="7660641" cy="400110"/>
+          </a:xfrm>
+          <a:prstGeom prst="rect">
+            <a:avLst/>
+          </a:prstGeom>
+          <a:noFill/>
+        </p:spPr>
+        <p:txBody>
+          <a:bodyPr wrap="square" rtlCol="0">
+            <a:spAutoFit/>
+          </a:bodyPr>
+          <a:lstStyle/>
+          <a:p>
+            <a:pPr algn="l"/>
+            <a:r>
+              <a:rPr lang="en-US" sz="2000" b="1" i="0" dirty="0">
+                <a:solidFill>
+                  <a:srgbClr val="0F0F0F"/>
+                </a:solidFill>
+                <a:effectLst/>
+                <a:latin typeface="Roboto" panose="02000000000000000000" pitchFamily="2" charset="0"/>
+              </a:rPr>
+              <a:t>Hinges for Internal Doors</a:t>
+            </a:r>
+          </a:p>
+        </p:txBody>
+      </p:sp>
+      <p:sp>
+        <p:nvSpPr>
+          <p:cNvPr id="4" name="TextBox 3">
+            <a:extLst>
+              <a:ext uri="{FF2B5EF4-FFF2-40B4-BE49-F238E27FC236}">
+                <a16:creationId xmlns:a16="http://schemas.microsoft.com/office/drawing/2014/main" id="{30234EC8-6F15-CFB2-44A9-60E4931F6A76}"/>
+              </a:ext>
+            </a:extLst>
+          </p:cNvPr>
+          <p:cNvSpPr txBox="1"/>
+          <p:nvPr/>
+        </p:nvSpPr>
+        <p:spPr>
+          <a:xfrm>
+            <a:off x="281215" y="557127"/>
+            <a:ext cx="5443179" cy="3754874"/>
+          </a:xfrm>
+          <a:prstGeom prst="rect">
+            <a:avLst/>
+          </a:prstGeom>
+          <a:solidFill>
+            <a:schemeClr val="accent4">
+              <a:lumMod val="20000"/>
+              <a:lumOff val="80000"/>
+            </a:schemeClr>
+          </a:solidFill>
+          <a:ln>
+            <a:solidFill>
+              <a:srgbClr val="FF0000"/>
+            </a:solidFill>
+          </a:ln>
+        </p:spPr>
+        <p:txBody>
+          <a:bodyPr wrap="square" rtlCol="0">
+            <a:spAutoFit/>
+          </a:bodyPr>
+          <a:lstStyle/>
+          <a:p>
+            <a:r>
+              <a:rPr lang="en-US" sz="1400" i="0" dirty="0">
+                <a:solidFill>
+                  <a:srgbClr val="0F0F0F"/>
+                </a:solidFill>
+                <a:effectLst/>
+                <a:latin typeface="Calibri" panose="020F0502020204030204" pitchFamily="34" charset="0"/>
+                <a:cs typeface="Calibri" panose="020F0502020204030204" pitchFamily="34" charset="0"/>
+              </a:rPr>
+              <a:t>Our internal doors have standard thickness of around 1 3/8 inch</a:t>
+            </a:r>
+          </a:p>
+          <a:p>
+            <a:endParaRPr lang="en-US" sz="1400" dirty="0">
+              <a:solidFill>
+                <a:srgbClr val="0F0F0F"/>
+              </a:solidFill>
+              <a:latin typeface="Calibri" panose="020F0502020204030204" pitchFamily="34" charset="0"/>
+              <a:cs typeface="Calibri" panose="020F0502020204030204" pitchFamily="34" charset="0"/>
+            </a:endParaRPr>
+          </a:p>
+          <a:p>
+            <a:r>
+              <a:rPr lang="en-US" sz="1400" dirty="0">
+                <a:solidFill>
+                  <a:srgbClr val="0F0F0F"/>
+                </a:solidFill>
+                <a:latin typeface="Calibri" panose="020F0502020204030204" pitchFamily="34" charset="0"/>
+                <a:cs typeface="Calibri" panose="020F0502020204030204" pitchFamily="34" charset="0"/>
+              </a:rPr>
+              <a:t>The hinges are standard – sizes either 3.5" or 3.0" depending </a:t>
+            </a:r>
+          </a:p>
+          <a:p>
+            <a:r>
+              <a:rPr lang="en-US" sz="1400" dirty="0">
+                <a:solidFill>
+                  <a:srgbClr val="0F0F0F"/>
+                </a:solidFill>
+                <a:latin typeface="Calibri" panose="020F0502020204030204" pitchFamily="34" charset="0"/>
+                <a:cs typeface="Calibri" panose="020F0502020204030204" pitchFamily="34" charset="0"/>
+              </a:rPr>
+              <a:t>on the door frame.  Corners are either square or ¼" rounded</a:t>
+            </a:r>
+          </a:p>
+          <a:p>
+            <a:r>
+              <a:rPr lang="en-US" sz="1400" dirty="0">
+                <a:solidFill>
+                  <a:srgbClr val="0F0F0F"/>
+                </a:solidFill>
+                <a:latin typeface="Calibri" panose="020F0502020204030204" pitchFamily="34" charset="0"/>
+                <a:cs typeface="Calibri" panose="020F0502020204030204" pitchFamily="34" charset="0"/>
+              </a:rPr>
+              <a:t>The screws #8, length 1.5, 2 ¼, 2 ½ , or longer</a:t>
+            </a:r>
+          </a:p>
+          <a:p>
+            <a:endParaRPr lang="en-US" sz="1400" dirty="0">
+              <a:solidFill>
+                <a:srgbClr val="0F0F0F"/>
+              </a:solidFill>
+              <a:latin typeface="Calibri" panose="020F0502020204030204" pitchFamily="34" charset="0"/>
+              <a:cs typeface="Calibri" panose="020F0502020204030204" pitchFamily="34" charset="0"/>
+            </a:endParaRPr>
+          </a:p>
+          <a:p>
+            <a:r>
+              <a:rPr lang="en-US" sz="1400" dirty="0">
+                <a:solidFill>
+                  <a:srgbClr val="0F0F0F"/>
+                </a:solidFill>
+                <a:latin typeface="Calibri" panose="020F0502020204030204" pitchFamily="34" charset="0"/>
+                <a:cs typeface="Calibri" panose="020F0502020204030204" pitchFamily="34" charset="0"/>
+              </a:rPr>
+              <a:t>In Manhattan – 4", square, </a:t>
+            </a:r>
+          </a:p>
+          <a:p>
+            <a:r>
+              <a:rPr lang="en-US" sz="1400" dirty="0">
+                <a:solidFill>
+                  <a:srgbClr val="0F0F0F"/>
+                </a:solidFill>
+                <a:latin typeface="Calibri" panose="020F0502020204030204" pitchFamily="34" charset="0"/>
+                <a:cs typeface="Calibri" panose="020F0502020204030204" pitchFamily="34" charset="0"/>
+              </a:rPr>
+              <a:t>Screws #9</a:t>
+            </a:r>
+          </a:p>
+          <a:p>
+            <a:endParaRPr lang="en-US" sz="1400" dirty="0">
+              <a:solidFill>
+                <a:srgbClr val="0F0F0F"/>
+              </a:solidFill>
+              <a:latin typeface="Calibri" panose="020F0502020204030204" pitchFamily="34" charset="0"/>
+              <a:cs typeface="Calibri" panose="020F0502020204030204" pitchFamily="34" charset="0"/>
+            </a:endParaRPr>
+          </a:p>
+          <a:p>
+            <a:r>
+              <a:rPr lang="en-US" sz="1400" dirty="0">
+                <a:solidFill>
+                  <a:srgbClr val="0F0F0F"/>
+                </a:solidFill>
+                <a:latin typeface="Calibri" panose="020F0502020204030204" pitchFamily="34" charset="0"/>
+                <a:cs typeface="Calibri" panose="020F0502020204030204" pitchFamily="34" charset="0"/>
+              </a:rPr>
+              <a:t>Best hinges use ball bearings</a:t>
+            </a:r>
+          </a:p>
+          <a:p>
+            <a:endParaRPr lang="en-US" sz="1400" dirty="0">
+              <a:solidFill>
+                <a:srgbClr val="0F0F0F"/>
+              </a:solidFill>
+              <a:latin typeface="Calibri" panose="020F0502020204030204" pitchFamily="34" charset="0"/>
+              <a:cs typeface="Calibri" panose="020F0502020204030204" pitchFamily="34" charset="0"/>
+            </a:endParaRPr>
+          </a:p>
+          <a:p>
+            <a:r>
+              <a:rPr lang="en-US" sz="1400" dirty="0">
+                <a:solidFill>
+                  <a:srgbClr val="0F0F0F"/>
+                </a:solidFill>
+                <a:latin typeface="Calibri" panose="020F0502020204030204" pitchFamily="34" charset="0"/>
+                <a:cs typeface="Calibri" panose="020F0502020204030204" pitchFamily="34" charset="0"/>
+              </a:rPr>
+              <a:t>Good places to buy:</a:t>
+            </a:r>
+          </a:p>
+          <a:p>
+            <a:endParaRPr lang="en-US" sz="1400" dirty="0">
+              <a:solidFill>
+                <a:srgbClr val="0F0F0F"/>
+              </a:solidFill>
+              <a:latin typeface="Calibri" panose="020F0502020204030204" pitchFamily="34" charset="0"/>
+              <a:cs typeface="Calibri" panose="020F0502020204030204" pitchFamily="34" charset="0"/>
+            </a:endParaRPr>
+          </a:p>
+          <a:p>
+            <a:r>
+              <a:rPr lang="en-US" sz="1400" dirty="0">
+                <a:solidFill>
+                  <a:srgbClr val="0F0F0F"/>
+                </a:solidFill>
+                <a:latin typeface="Calibri" panose="020F0502020204030204" pitchFamily="34" charset="0"/>
+                <a:cs typeface="Calibri" panose="020F0502020204030204" pitchFamily="34" charset="0"/>
+              </a:rPr>
+              <a:t>https://</a:t>
+            </a:r>
+            <a:r>
+              <a:rPr lang="en-US" sz="1400" dirty="0" err="1">
+                <a:solidFill>
+                  <a:srgbClr val="0F0F0F"/>
+                </a:solidFill>
+                <a:latin typeface="Calibri" panose="020F0502020204030204" pitchFamily="34" charset="0"/>
+                <a:cs typeface="Calibri" panose="020F0502020204030204" pitchFamily="34" charset="0"/>
+              </a:rPr>
+              <a:t>www.build.com</a:t>
+            </a:r>
+            <a:endParaRPr lang="en-US" sz="1400" dirty="0">
+              <a:solidFill>
+                <a:srgbClr val="0F0F0F"/>
+              </a:solidFill>
+              <a:latin typeface="Calibri" panose="020F0502020204030204" pitchFamily="34" charset="0"/>
+              <a:cs typeface="Calibri" panose="020F0502020204030204" pitchFamily="34" charset="0"/>
+            </a:endParaRPr>
+          </a:p>
+          <a:p>
+            <a:r>
+              <a:rPr lang="en-US" sz="1400" dirty="0">
+                <a:solidFill>
+                  <a:srgbClr val="0F0F0F"/>
+                </a:solidFill>
+                <a:latin typeface="Calibri" panose="020F0502020204030204" pitchFamily="34" charset="0"/>
+                <a:cs typeface="Calibri" panose="020F0502020204030204" pitchFamily="34" charset="0"/>
+              </a:rPr>
+              <a:t>https://</a:t>
+            </a:r>
+            <a:r>
+              <a:rPr lang="en-US" sz="1400" dirty="0" err="1">
+                <a:solidFill>
+                  <a:srgbClr val="0F0F0F"/>
+                </a:solidFill>
+                <a:latin typeface="Calibri" panose="020F0502020204030204" pitchFamily="34" charset="0"/>
+                <a:cs typeface="Calibri" panose="020F0502020204030204" pitchFamily="34" charset="0"/>
+              </a:rPr>
+              <a:t>www.hingeoutlet.com</a:t>
+            </a:r>
+            <a:endParaRPr lang="en-US" sz="1400" dirty="0">
+              <a:solidFill>
+                <a:srgbClr val="0F0F0F"/>
+              </a:solidFill>
+              <a:latin typeface="Calibri" panose="020F0502020204030204" pitchFamily="34" charset="0"/>
+              <a:cs typeface="Calibri" panose="020F0502020204030204" pitchFamily="34" charset="0"/>
+            </a:endParaRPr>
+          </a:p>
+          <a:p>
+            <a:r>
+              <a:rPr lang="en-US" sz="1400" dirty="0">
+                <a:solidFill>
+                  <a:srgbClr val="0F0F0F"/>
+                </a:solidFill>
+                <a:latin typeface="Calibri" panose="020F0502020204030204" pitchFamily="34" charset="0"/>
+                <a:cs typeface="Calibri" panose="020F0502020204030204" pitchFamily="34" charset="0"/>
+              </a:rPr>
+              <a:t>https://</a:t>
+            </a:r>
+            <a:r>
+              <a:rPr lang="en-US" sz="1400" dirty="0" err="1">
+                <a:solidFill>
+                  <a:srgbClr val="0F0F0F"/>
+                </a:solidFill>
+                <a:latin typeface="Calibri" panose="020F0502020204030204" pitchFamily="34" charset="0"/>
+                <a:cs typeface="Calibri" panose="020F0502020204030204" pitchFamily="34" charset="0"/>
+              </a:rPr>
+              <a:t>www.homedepot.com</a:t>
+            </a:r>
+            <a:endParaRPr lang="en-US" sz="1400" dirty="0">
+              <a:solidFill>
+                <a:srgbClr val="0F0F0F"/>
+              </a:solidFill>
+              <a:latin typeface="Calibri" panose="020F0502020204030204" pitchFamily="34" charset="0"/>
+              <a:cs typeface="Calibri" panose="020F0502020204030204" pitchFamily="34" charset="0"/>
+            </a:endParaRPr>
+          </a:p>
+          <a:p>
+            <a:endParaRPr lang="en-US" sz="1400" dirty="0">
+              <a:solidFill>
+                <a:srgbClr val="0F0F0F"/>
+              </a:solidFill>
+              <a:latin typeface="Calibri" panose="020F0502020204030204" pitchFamily="34" charset="0"/>
+              <a:cs typeface="Calibri" panose="020F0502020204030204" pitchFamily="34" charset="0"/>
+            </a:endParaRPr>
+          </a:p>
+        </p:txBody>
+      </p:sp>
+      <p:pic>
+        <p:nvPicPr>
+          <p:cNvPr id="11" name="Picture 2" descr="Satin Nickel Interior Ball Bearing Door Hinges - 3 1/2&quot; x with 5/8&quot; Radius Corner 2 Pack">
+            <a:extLst>
+              <a:ext uri="{FF2B5EF4-FFF2-40B4-BE49-F238E27FC236}">
+                <a16:creationId xmlns:a16="http://schemas.microsoft.com/office/drawing/2014/main" id="{86E72628-526B-0E06-A871-C35586BE4795}"/>
+              </a:ext>
+            </a:extLst>
+          </p:cNvPr>
+          <p:cNvPicPr>
+            <a:picLocks noChangeAspect="1" noChangeArrowheads="1"/>
+          </p:cNvPicPr>
+          <p:nvPr/>
+        </p:nvPicPr>
+        <p:blipFill>
+          <a:blip r:embed="rId3">
+            <a:extLst>
+              <a:ext uri="{28A0092B-C50C-407E-A947-70E740481C1C}">
+                <a14:useLocalDpi xmlns:a14="http://schemas.microsoft.com/office/drawing/2010/main" val="0"/>
+              </a:ext>
+            </a:extLst>
+          </a:blip>
+          <a:srcRect/>
+          <a:stretch>
+            <a:fillRect/>
+          </a:stretch>
+        </p:blipFill>
+        <p:spPr bwMode="auto">
+          <a:xfrm>
+            <a:off x="9732723" y="209774"/>
+            <a:ext cx="2286588" cy="2446275"/>
+          </a:xfrm>
+          <a:prstGeom prst="rect">
+            <a:avLst/>
+          </a:prstGeom>
+          <a:noFill/>
+          <a:extLst>
+            <a:ext uri="{909E8E84-426E-40DD-AFC4-6F175D3DCCD1}">
+              <a14:hiddenFill xmlns:a14="http://schemas.microsoft.com/office/drawing/2010/main">
+                <a:solidFill>
+                  <a:srgbClr val="FFFFFF"/>
+                </a:solidFill>
+              </a14:hiddenFill>
+            </a:ext>
+          </a:extLst>
+        </p:spPr>
+      </p:pic>
+      <p:pic>
+        <p:nvPicPr>
+          <p:cNvPr id="12" name="Picture 4" descr="Zinc Plated">
+            <a:extLst>
+              <a:ext uri="{FF2B5EF4-FFF2-40B4-BE49-F238E27FC236}">
+                <a16:creationId xmlns:a16="http://schemas.microsoft.com/office/drawing/2014/main" id="{D90EE98F-AC59-3A17-AA74-C86D90670182}"/>
+              </a:ext>
+            </a:extLst>
+          </p:cNvPr>
+          <p:cNvPicPr>
+            <a:picLocks noChangeAspect="1" noChangeArrowheads="1"/>
+          </p:cNvPicPr>
+          <p:nvPr/>
+        </p:nvPicPr>
+        <p:blipFill>
+          <a:blip r:embed="rId4">
+            <a:extLst>
+              <a:ext uri="{28A0092B-C50C-407E-A947-70E740481C1C}">
+                <a14:useLocalDpi xmlns:a14="http://schemas.microsoft.com/office/drawing/2010/main" val="0"/>
+              </a:ext>
+            </a:extLst>
+          </a:blip>
+          <a:srcRect/>
+          <a:stretch>
+            <a:fillRect/>
+          </a:stretch>
+        </p:blipFill>
+        <p:spPr bwMode="auto">
+          <a:xfrm>
+            <a:off x="6467608" y="209774"/>
+            <a:ext cx="2717800" cy="2717800"/>
+          </a:xfrm>
+          <a:prstGeom prst="rect">
+            <a:avLst/>
+          </a:prstGeom>
+          <a:noFill/>
+          <a:extLst>
+            <a:ext uri="{909E8E84-426E-40DD-AFC4-6F175D3DCCD1}">
+              <a14:hiddenFill xmlns:a14="http://schemas.microsoft.com/office/drawing/2010/main">
+                <a:solidFill>
+                  <a:srgbClr val="FFFFFF"/>
+                </a:solidFill>
+              </a14:hiddenFill>
+            </a:ext>
+          </a:extLst>
+        </p:spPr>
+      </p:pic>
+    </p:spTree>
+    <p:extLst>
+      <p:ext uri="{BB962C8B-B14F-4D97-AF65-F5344CB8AC3E}">
+        <p14:creationId xmlns:p14="http://schemas.microsoft.com/office/powerpoint/2010/main" val="2269563096"/>
+      </p:ext>
+    </p:extLst>
+  </p:cSld>
+  <p:clrMapOvr>
+    <a:masterClrMapping/>
+  </p:clrMapOvr>
+</p:sld>
+</file>
+
 <file path=ppt/theme/theme1.xml><?xml version="1.0" encoding="utf-8"?>
 <a:theme xmlns:a="http://schemas.openxmlformats.org/drawingml/2006/main" name="Office Theme">
   <a:themeElements>
